--- a/NC09_Presentazione_ver.1.0.pptx
+++ b/NC09_Presentazione_ver.1.0.pptx
@@ -8060,7 +8060,7 @@
         <p:spPr>
           <a:xfrm>
             <a:off x="985968" y="4473225"/>
-            <a:ext cx="8288035" cy="1095059"/>
+            <a:ext cx="9594946" cy="1095059"/>
           </a:xfrm>
         </p:spPr>
         <p:txBody>
@@ -8112,6 +8112,16 @@
                 <a:ea typeface="Cambria" panose="02040503050406030204" pitchFamily="18" charset="0"/>
               </a:rPr>
               <a:t>NewDM</a:t>
+            </a:r>
+            <a:r>
+              <a:rPr lang="it-IT" sz="4400" b="1" dirty="0">
+                <a:solidFill>
+                  <a:schemeClr val="tx2"/>
+                </a:solidFill>
+                <a:latin typeface="Garamond" panose="02020404030301010803" pitchFamily="18" charset="0"/>
+                <a:ea typeface="Cambria" panose="02040503050406030204" pitchFamily="18" charset="0"/>
+              </a:rPr>
+              <a:t>       NC09 Gruppo ZAZA</a:t>
             </a:r>
             <a:endParaRPr lang="it-IT" sz="3400" b="1" dirty="0">
               <a:solidFill>
@@ -29589,6 +29599,12 @@
 </file>
 
 <file path=customXml/item1.xml><?xml version="1.0" encoding="utf-8"?>
+<p:properties xmlns:p="http://schemas.microsoft.com/office/2006/metadata/properties" xmlns:xsi="http://www.w3.org/2001/XMLSchema-instance" xmlns:pc="http://schemas.microsoft.com/office/infopath/2007/PartnerControls">
+  <documentManagement/>
+</p:properties>
+</file>
+
+<file path=customXml/item2.xml><?xml version="1.0" encoding="utf-8"?>
 <ct:contentTypeSchema xmlns:ct="http://schemas.microsoft.com/office/2006/metadata/contentType" xmlns:ma="http://schemas.microsoft.com/office/2006/metadata/properties/metaAttributes" ct:_="" ma:_="" ma:contentTypeName="Documento" ma:contentTypeID="0x01010092E6CA8D3F3ACD4A87344599D8341E56" ma:contentTypeVersion="2" ma:contentTypeDescription="Creare un nuovo documento." ma:contentTypeScope="" ma:versionID="36c40fa99d128be7b06f1bf4d10ef840">
   <xsd:schema xmlns:xsd="http://www.w3.org/2001/XMLSchema" xmlns:xs="http://www.w3.org/2001/XMLSchema" xmlns:p="http://schemas.microsoft.com/office/2006/metadata/properties" xmlns:ns2="97fe7b87-aea3-4104-9d9c-0d34de2995b9" targetNamespace="http://schemas.microsoft.com/office/2006/metadata/properties" ma:root="true" ma:fieldsID="6a998ec8a950768f67e632e7bbdc7446" ns2:_="">
     <xsd:import namespace="97fe7b87-aea3-4104-9d9c-0d34de2995b9"/>
@@ -29720,12 +29736,6 @@
 </ct:contentTypeSchema>
 </file>
 
-<file path=customXml/item2.xml><?xml version="1.0" encoding="utf-8"?>
-<p:properties xmlns:p="http://schemas.microsoft.com/office/2006/metadata/properties" xmlns:xsi="http://www.w3.org/2001/XMLSchema-instance" xmlns:pc="http://schemas.microsoft.com/office/infopath/2007/PartnerControls">
-  <documentManagement/>
-</p:properties>
-</file>
-
 <file path=customXml/item3.xml><?xml version="1.0" encoding="utf-8"?>
 <?mso-contentType ?>
 <FormTemplates xmlns="http://schemas.microsoft.com/sharepoint/v3/contenttype/forms">
@@ -29736,6 +29746,15 @@
 </file>
 
 <file path=customXml/itemProps1.xml><?xml version="1.0" encoding="utf-8"?>
+<ds:datastoreItem xmlns:ds="http://schemas.openxmlformats.org/officeDocument/2006/customXml" ds:itemID="{86422362-7766-484E-83C0-672AD2308EAE}">
+  <ds:schemaRefs>
+    <ds:schemaRef ds:uri="http://schemas.microsoft.com/office/2006/metadata/properties"/>
+    <ds:schemaRef ds:uri="http://schemas.microsoft.com/office/infopath/2007/PartnerControls"/>
+  </ds:schemaRefs>
+</ds:datastoreItem>
+</file>
+
+<file path=customXml/itemProps2.xml><?xml version="1.0" encoding="utf-8"?>
 <ds:datastoreItem xmlns:ds="http://schemas.openxmlformats.org/officeDocument/2006/customXml" ds:itemID="{29E7B9F8-68DE-424A-BF24-D1C701A73096}">
   <ds:schemaRefs>
     <ds:schemaRef ds:uri="http://schemas.microsoft.com/office/2006/metadata/contentType"/>
@@ -29753,15 +29772,6 @@
 </ds:datastoreItem>
 </file>
 
-<file path=customXml/itemProps2.xml><?xml version="1.0" encoding="utf-8"?>
-<ds:datastoreItem xmlns:ds="http://schemas.openxmlformats.org/officeDocument/2006/customXml" ds:itemID="{86422362-7766-484E-83C0-672AD2308EAE}">
-  <ds:schemaRefs>
-    <ds:schemaRef ds:uri="http://schemas.microsoft.com/office/2006/metadata/properties"/>
-    <ds:schemaRef ds:uri="http://schemas.microsoft.com/office/infopath/2007/PartnerControls"/>
-  </ds:schemaRefs>
-</ds:datastoreItem>
-</file>
-
 <file path=customXml/itemProps3.xml><?xml version="1.0" encoding="utf-8"?>
 <ds:datastoreItem xmlns:ds="http://schemas.openxmlformats.org/officeDocument/2006/customXml" ds:itemID="{0E3AD268-9EC1-402D-8354-837EAC2937E6}">
   <ds:schemaRefs>
